--- a/SW1.240718.pptx
+++ b/SW1.240718.pptx
@@ -206,7 +206,7 @@
           <a:p>
             <a:fld id="{6FA552EC-0BB6-419A-A310-42314813098A}" type="datetimeFigureOut">
               <a:rPr lang="zh-CN" altLang="en-US" smtClean="0"/>
-              <a:t>2024/7/17</a:t>
+              <a:t>2024/8/22</a:t>
             </a:fld>
             <a:endParaRPr lang="zh-CN" altLang="en-US"/>
           </a:p>
@@ -704,7 +704,7 @@
           <a:p>
             <a:fld id="{4B93C9DC-BFCB-4408-8E30-F8FAE3E12973}" type="datetimeFigureOut">
               <a:rPr lang="zh-CN" altLang="en-US" smtClean="0"/>
-              <a:t>2024/7/17</a:t>
+              <a:t>2024/8/22</a:t>
             </a:fld>
             <a:endParaRPr lang="zh-CN" altLang="en-US"/>
           </a:p>
@@ -902,7 +902,7 @@
           <a:p>
             <a:fld id="{4B93C9DC-BFCB-4408-8E30-F8FAE3E12973}" type="datetimeFigureOut">
               <a:rPr lang="zh-CN" altLang="en-US" smtClean="0"/>
-              <a:t>2024/7/17</a:t>
+              <a:t>2024/8/22</a:t>
             </a:fld>
             <a:endParaRPr lang="zh-CN" altLang="en-US"/>
           </a:p>
@@ -1110,7 +1110,7 @@
           <a:p>
             <a:fld id="{4B93C9DC-BFCB-4408-8E30-F8FAE3E12973}" type="datetimeFigureOut">
               <a:rPr lang="zh-CN" altLang="en-US" smtClean="0"/>
-              <a:t>2024/7/17</a:t>
+              <a:t>2024/8/22</a:t>
             </a:fld>
             <a:endParaRPr lang="zh-CN" altLang="en-US"/>
           </a:p>
@@ -1308,7 +1308,7 @@
           <a:p>
             <a:fld id="{4B93C9DC-BFCB-4408-8E30-F8FAE3E12973}" type="datetimeFigureOut">
               <a:rPr lang="zh-CN" altLang="en-US" smtClean="0"/>
-              <a:t>2024/7/17</a:t>
+              <a:t>2024/8/22</a:t>
             </a:fld>
             <a:endParaRPr lang="zh-CN" altLang="en-US"/>
           </a:p>
@@ -1583,7 +1583,7 @@
           <a:p>
             <a:fld id="{4B93C9DC-BFCB-4408-8E30-F8FAE3E12973}" type="datetimeFigureOut">
               <a:rPr lang="zh-CN" altLang="en-US" smtClean="0"/>
-              <a:t>2024/7/17</a:t>
+              <a:t>2024/8/22</a:t>
             </a:fld>
             <a:endParaRPr lang="zh-CN" altLang="en-US"/>
           </a:p>
@@ -1848,7 +1848,7 @@
           <a:p>
             <a:fld id="{4B93C9DC-BFCB-4408-8E30-F8FAE3E12973}" type="datetimeFigureOut">
               <a:rPr lang="zh-CN" altLang="en-US" smtClean="0"/>
-              <a:t>2024/7/17</a:t>
+              <a:t>2024/8/22</a:t>
             </a:fld>
             <a:endParaRPr lang="zh-CN" altLang="en-US"/>
           </a:p>
@@ -2260,7 +2260,7 @@
           <a:p>
             <a:fld id="{4B93C9DC-BFCB-4408-8E30-F8FAE3E12973}" type="datetimeFigureOut">
               <a:rPr lang="zh-CN" altLang="en-US" smtClean="0"/>
-              <a:t>2024/7/17</a:t>
+              <a:t>2024/8/22</a:t>
             </a:fld>
             <a:endParaRPr lang="zh-CN" altLang="en-US"/>
           </a:p>
@@ -2401,7 +2401,7 @@
           <a:p>
             <a:fld id="{4B93C9DC-BFCB-4408-8E30-F8FAE3E12973}" type="datetimeFigureOut">
               <a:rPr lang="zh-CN" altLang="en-US" smtClean="0"/>
-              <a:t>2024/7/17</a:t>
+              <a:t>2024/8/22</a:t>
             </a:fld>
             <a:endParaRPr lang="zh-CN" altLang="en-US"/>
           </a:p>
@@ -2514,7 +2514,7 @@
           <a:p>
             <a:fld id="{4B93C9DC-BFCB-4408-8E30-F8FAE3E12973}" type="datetimeFigureOut">
               <a:rPr lang="zh-CN" altLang="en-US" smtClean="0"/>
-              <a:t>2024/7/17</a:t>
+              <a:t>2024/8/22</a:t>
             </a:fld>
             <a:endParaRPr lang="zh-CN" altLang="en-US"/>
           </a:p>
@@ -2825,7 +2825,7 @@
           <a:p>
             <a:fld id="{4B93C9DC-BFCB-4408-8E30-F8FAE3E12973}" type="datetimeFigureOut">
               <a:rPr lang="zh-CN" altLang="en-US" smtClean="0"/>
-              <a:t>2024/7/17</a:t>
+              <a:t>2024/8/22</a:t>
             </a:fld>
             <a:endParaRPr lang="zh-CN" altLang="en-US"/>
           </a:p>
@@ -3113,7 +3113,7 @@
           <a:p>
             <a:fld id="{4B93C9DC-BFCB-4408-8E30-F8FAE3E12973}" type="datetimeFigureOut">
               <a:rPr lang="zh-CN" altLang="en-US" smtClean="0"/>
-              <a:t>2024/7/17</a:t>
+              <a:t>2024/8/22</a:t>
             </a:fld>
             <a:endParaRPr lang="zh-CN" altLang="en-US"/>
           </a:p>
@@ -3363,7 +3363,7 @@
           <a:p>
             <a:fld id="{4B93C9DC-BFCB-4408-8E30-F8FAE3E12973}" type="datetimeFigureOut">
               <a:rPr lang="zh-CN" altLang="en-US" smtClean="0"/>
-              <a:t>2024/7/17</a:t>
+              <a:t>2024/8/22</a:t>
             </a:fld>
             <a:endParaRPr lang="zh-CN" altLang="en-US"/>
           </a:p>
